--- a/2020-08-06-FP-In-Scala.pptx
+++ b/2020-08-06-FP-In-Scala.pptx
@@ -5,7 +5,7 @@
     <p:sldMasterId id="2147483648" r:id="rId5"/>
   </p:sldMasterIdLst>
   <p:notesMasterIdLst>
-    <p:notesMasterId r:id="rId26"/>
+    <p:notesMasterId r:id="rId27"/>
   </p:notesMasterIdLst>
   <p:sldIdLst>
     <p:sldId id="261" r:id="rId6"/>
@@ -17,17 +17,18 @@
     <p:sldId id="329" r:id="rId12"/>
     <p:sldId id="327" r:id="rId13"/>
     <p:sldId id="330" r:id="rId14"/>
-    <p:sldId id="333" r:id="rId15"/>
-    <p:sldId id="332" r:id="rId16"/>
+    <p:sldId id="332" r:id="rId15"/>
+    <p:sldId id="344" r:id="rId16"/>
     <p:sldId id="334" r:id="rId17"/>
     <p:sldId id="336" r:id="rId18"/>
     <p:sldId id="337" r:id="rId19"/>
     <p:sldId id="338" r:id="rId20"/>
-    <p:sldId id="339" r:id="rId21"/>
-    <p:sldId id="340" r:id="rId22"/>
-    <p:sldId id="341" r:id="rId23"/>
-    <p:sldId id="343" r:id="rId24"/>
-    <p:sldId id="342" r:id="rId25"/>
+    <p:sldId id="345" r:id="rId21"/>
+    <p:sldId id="346" r:id="rId22"/>
+    <p:sldId id="340" r:id="rId23"/>
+    <p:sldId id="341" r:id="rId24"/>
+    <p:sldId id="343" r:id="rId25"/>
+    <p:sldId id="342" r:id="rId26"/>
   </p:sldIdLst>
   <p:sldSz cx="12192000" cy="6858000"/>
   <p:notesSz cx="6858000" cy="9144000"/>
@@ -11539,7 +11540,7 @@
           </a:ln>
           <a:extLst>
             <a:ext uri="{C572A759-6A51-4108-AA02-DFA0A04FC94B}">
-              <ma14:wrappingTextBoxFlag xmlns="" xmlns:m="http://schemas.openxmlformats.org/officeDocument/2006/math" xmlns:a14="http://schemas.microsoft.com/office/drawing/2010/main" xmlns:ma14="http://schemas.microsoft.com/office/mac/drawingml/2011/main" val="1"/>
+              <ma14:wrappingTextBoxFlag xmlns:ma14="http://schemas.microsoft.com/office/mac/drawingml/2011/main" xmlns:a14="http://schemas.microsoft.com/office/drawing/2010/main" xmlns:m="http://schemas.openxmlformats.org/officeDocument/2006/math" xmlns="" val="1"/>
             </a:ext>
           </a:extLst>
         </p:spPr>
@@ -12542,8 +12543,8 @@
         </p:nvSpPr>
         <p:spPr>
           <a:xfrm>
-            <a:off x="723551" y="2753710"/>
-            <a:ext cx="10257215" cy="956442"/>
+            <a:off x="723551" y="978434"/>
+            <a:ext cx="10257215" cy="593191"/>
           </a:xfrm>
         </p:spPr>
         <p:txBody>
@@ -12594,10 +12595,117 @@
           </a:ln>
         </p:spPr>
       </p:pic>
+      <p:sp>
+        <p:nvSpPr>
+          <p:cNvPr id="7" name="Landae eost et, optatqui num facepudicime venimpe pro tempossima volore nullupi ssectas perecto id magnatam quas am aut amus, aut es di sundus nonseri taturit quata es incimil idigene labor aut esti volectur, consed quae reratium velia volupta eniendi susdam fugit et facearum quatur serchilibus velende lecullis etur aut aut int esequas voloriatur reperis cidelit qui aperepre.…">
+            <a:extLst>
+              <a:ext uri="{FF2B5EF4-FFF2-40B4-BE49-F238E27FC236}">
+                <a16:creationId xmlns:a16="http://schemas.microsoft.com/office/drawing/2014/main" id="{B4BAC6F3-4C3F-A945-885C-68E47FDFDDE8}"/>
+              </a:ext>
+            </a:extLst>
+          </p:cNvPr>
+          <p:cNvSpPr txBox="1">
+            <a:spLocks noGrp="1"/>
+          </p:cNvSpPr>
+          <p:nvPr>
+            <p:ph type="body" idx="1"/>
+          </p:nvPr>
+        </p:nvSpPr>
+        <p:spPr>
+          <a:xfrm>
+            <a:off x="713390" y="1824860"/>
+            <a:ext cx="10256838" cy="4260630"/>
+          </a:xfrm>
+        </p:spPr>
+        <p:txBody>
+          <a:bodyPr numCol="1"/>
+          <a:lstStyle/>
+          <a:p>
+            <a:pPr marL="342900" indent="-342900">
+              <a:buFont typeface="Arial" panose="020B0604020202020204" pitchFamily="34" charset="0"/>
+              <a:buChar char="•"/>
+            </a:pPr>
+            <a:r>
+              <a:rPr lang="en-AU" sz="2400" dirty="0"/>
+              <a:t>https://</a:t>
+            </a:r>
+            <a:r>
+              <a:rPr lang="en-AU" sz="2400" dirty="0" err="1"/>
+              <a:t>github.com</a:t>
+            </a:r>
+            <a:r>
+              <a:rPr lang="en-AU" sz="2400" dirty="0"/>
+              <a:t>/</a:t>
+            </a:r>
+            <a:r>
+              <a:rPr lang="en-AU" sz="2400" dirty="0" err="1"/>
+              <a:t>amywong</a:t>
+            </a:r>
+            <a:r>
+              <a:rPr lang="en-AU" sz="2400" dirty="0"/>
+              <a:t>-monster/intro-</a:t>
+            </a:r>
+            <a:r>
+              <a:rPr lang="en-AU" sz="2400" dirty="0" err="1"/>
+              <a:t>fp</a:t>
+            </a:r>
+            <a:r>
+              <a:rPr lang="en-AU" sz="2400" dirty="0"/>
+              <a:t>-</a:t>
+            </a:r>
+            <a:r>
+              <a:rPr lang="en-AU" sz="2400" dirty="0" err="1"/>
+              <a:t>scala</a:t>
+            </a:r>
+            <a:r>
+              <a:rPr lang="en-AU" sz="2400" dirty="0"/>
+              <a:t>/blob/master/</a:t>
+            </a:r>
+            <a:r>
+              <a:rPr lang="en-AU" sz="2400" dirty="0" err="1"/>
+              <a:t>src</a:t>
+            </a:r>
+            <a:r>
+              <a:rPr lang="en-AU" sz="2400" dirty="0"/>
+              <a:t>/main/</a:t>
+            </a:r>
+            <a:r>
+              <a:rPr lang="en-AU" sz="2400" dirty="0" err="1"/>
+              <a:t>scala</a:t>
+            </a:r>
+            <a:r>
+              <a:rPr lang="en-AU" sz="2400" dirty="0"/>
+              <a:t>/examples/</a:t>
+            </a:r>
+            <a:r>
+              <a:rPr lang="en-AU" sz="2400" dirty="0" err="1"/>
+              <a:t>OptionUsage.scala</a:t>
+            </a:r>
+            <a:endParaRPr lang="en-AU" sz="2400" dirty="0"/>
+          </a:p>
+          <a:p>
+            <a:pPr marL="342900" indent="-342900">
+              <a:buFont typeface="Arial" panose="020B0604020202020204" pitchFamily="34" charset="0"/>
+              <a:buChar char="•"/>
+            </a:pPr>
+            <a:endParaRPr lang="en-AU" sz="2400" dirty="0"/>
+          </a:p>
+          <a:p>
+            <a:endParaRPr lang="en-AU" sz="2400" dirty="0"/>
+          </a:p>
+          <a:p>
+            <a:pPr marL="342900" indent="-342900">
+              <a:buFont typeface="Arial" panose="020B0604020202020204" pitchFamily="34" charset="0"/>
+              <a:buChar char="•"/>
+            </a:pPr>
+            <a:endParaRPr lang="en-AU" sz="2400" dirty="0"/>
+          </a:p>
+        </p:txBody>
+      </p:sp>
     </p:spTree>
     <p:extLst>
       <p:ext uri="{BB962C8B-B14F-4D97-AF65-F5344CB8AC3E}">
-        <p14:creationId xmlns:p14="http://schemas.microsoft.com/office/powerpoint/2010/main" val="3041155231"/>
+        <p14:creationId xmlns:p14="http://schemas.microsoft.com/office/powerpoint/2010/main" val="1914085976"/>
       </p:ext>
     </p:extLst>
   </p:cSld>
@@ -12835,7 +12943,7 @@
     </p:spTree>
     <p:extLst>
       <p:ext uri="{BB962C8B-B14F-4D97-AF65-F5344CB8AC3E}">
-        <p14:creationId xmlns:p14="http://schemas.microsoft.com/office/powerpoint/2010/main" val="1914085976"/>
+        <p14:creationId xmlns:p14="http://schemas.microsoft.com/office/powerpoint/2010/main" val="106974292"/>
       </p:ext>
     </p:extLst>
   </p:cSld>
@@ -13798,8 +13906,8 @@
         </p:nvSpPr>
         <p:spPr>
           <a:xfrm>
-            <a:off x="723551" y="2753710"/>
-            <a:ext cx="10257215" cy="956442"/>
+            <a:off x="723551" y="978434"/>
+            <a:ext cx="10257215" cy="593191"/>
           </a:xfrm>
         </p:spPr>
         <p:txBody>
@@ -13811,13 +13919,18 @@
               <a:rPr lang="en-AU" dirty="0" err="1"/>
               <a:t>BadOptionExample</a:t>
             </a:r>
+            <a:r>
+              <a:rPr lang="en-AU" dirty="0"/>
+              <a:t> - </a:t>
+            </a:r>
+            <a:r>
+              <a:rPr lang="en-US" dirty="0"/>
+              <a:t>a Scala pitfall</a:t>
+            </a:r>
             <a:br>
-              <a:rPr lang="en-AU" dirty="0"/>
+              <a:rPr lang="en-US" dirty="0"/>
             </a:br>
-            <a:r>
-              <a:rPr lang="en-US" dirty="0"/>
-              <a:t>(a Scala pitfall)</a:t>
-            </a:r>
+            <a:endParaRPr lang="en-US" dirty="0"/>
           </a:p>
         </p:txBody>
       </p:sp>
@@ -13849,10 +13962,110 @@
           </a:ln>
         </p:spPr>
       </p:pic>
+      <p:sp>
+        <p:nvSpPr>
+          <p:cNvPr id="7" name="Landae eost et, optatqui num facepudicime venimpe pro tempossima volore nullupi ssectas perecto id magnatam quas am aut amus, aut es di sundus nonseri taturit quata es incimil idigene labor aut esti volectur, consed quae reratium velia volupta eniendi susdam fugit et facearum quatur serchilibus velende lecullis etur aut aut int esequas voloriatur reperis cidelit qui aperepre.…">
+            <a:extLst>
+              <a:ext uri="{FF2B5EF4-FFF2-40B4-BE49-F238E27FC236}">
+                <a16:creationId xmlns:a16="http://schemas.microsoft.com/office/drawing/2014/main" id="{B4BAC6F3-4C3F-A945-885C-68E47FDFDDE8}"/>
+              </a:ext>
+            </a:extLst>
+          </p:cNvPr>
+          <p:cNvSpPr txBox="1">
+            <a:spLocks noGrp="1"/>
+          </p:cNvSpPr>
+          <p:nvPr>
+            <p:ph type="body" idx="1"/>
+          </p:nvPr>
+        </p:nvSpPr>
+        <p:spPr>
+          <a:xfrm>
+            <a:off x="713390" y="1824860"/>
+            <a:ext cx="10256838" cy="4260630"/>
+          </a:xfrm>
+        </p:spPr>
+        <p:txBody>
+          <a:bodyPr numCol="1"/>
+          <a:lstStyle/>
+          <a:p>
+            <a:pPr marL="342900" indent="-342900">
+              <a:buFont typeface="Arial" panose="020B0604020202020204" pitchFamily="34" charset="0"/>
+              <a:buChar char="•"/>
+            </a:pPr>
+            <a:r>
+              <a:rPr lang="en-AU" sz="2400" dirty="0"/>
+              <a:t>https://</a:t>
+            </a:r>
+            <a:r>
+              <a:rPr lang="en-AU" sz="2400" dirty="0" err="1"/>
+              <a:t>github.com</a:t>
+            </a:r>
+            <a:r>
+              <a:rPr lang="en-AU" sz="2400" dirty="0"/>
+              <a:t>/</a:t>
+            </a:r>
+            <a:r>
+              <a:rPr lang="en-AU" sz="2400" dirty="0" err="1"/>
+              <a:t>amywong</a:t>
+            </a:r>
+            <a:r>
+              <a:rPr lang="en-AU" sz="2400" dirty="0"/>
+              <a:t>-monster/intro-</a:t>
+            </a:r>
+            <a:r>
+              <a:rPr lang="en-AU" sz="2400" dirty="0" err="1"/>
+              <a:t>fp</a:t>
+            </a:r>
+            <a:r>
+              <a:rPr lang="en-AU" sz="2400" dirty="0"/>
+              <a:t>-</a:t>
+            </a:r>
+            <a:r>
+              <a:rPr lang="en-AU" sz="2400" dirty="0" err="1"/>
+              <a:t>scala</a:t>
+            </a:r>
+            <a:r>
+              <a:rPr lang="en-AU" sz="2400" dirty="0"/>
+              <a:t>/blob/master/</a:t>
+            </a:r>
+            <a:r>
+              <a:rPr lang="en-AU" sz="2400" dirty="0" err="1"/>
+              <a:t>src</a:t>
+            </a:r>
+            <a:r>
+              <a:rPr lang="en-AU" sz="2400" dirty="0"/>
+              <a:t>/main/</a:t>
+            </a:r>
+            <a:r>
+              <a:rPr lang="en-AU" sz="2400" dirty="0" err="1"/>
+              <a:t>scala</a:t>
+            </a:r>
+            <a:r>
+              <a:rPr lang="en-AU" sz="2400" dirty="0"/>
+              <a:t>/examples/</a:t>
+            </a:r>
+            <a:r>
+              <a:rPr lang="en-AU" sz="2400" dirty="0" err="1"/>
+              <a:t>BadOptionExample.scala</a:t>
+            </a:r>
+            <a:endParaRPr lang="en-AU" sz="2400" dirty="0"/>
+          </a:p>
+          <a:p>
+            <a:endParaRPr lang="en-AU" sz="2400" dirty="0"/>
+          </a:p>
+          <a:p>
+            <a:pPr marL="342900" indent="-342900">
+              <a:buFont typeface="Arial" panose="020B0604020202020204" pitchFamily="34" charset="0"/>
+              <a:buChar char="•"/>
+            </a:pPr>
+            <a:endParaRPr lang="en-AU" sz="2400" dirty="0"/>
+          </a:p>
+        </p:txBody>
+      </p:sp>
     </p:spTree>
     <p:extLst>
       <p:ext uri="{BB962C8B-B14F-4D97-AF65-F5344CB8AC3E}">
-        <p14:creationId xmlns:p14="http://schemas.microsoft.com/office/powerpoint/2010/main" val="1273319639"/>
+        <p14:creationId xmlns:p14="http://schemas.microsoft.com/office/powerpoint/2010/main" val="3405955377"/>
       </p:ext>
     </p:extLst>
   </p:cSld>
@@ -13920,8 +14133,8 @@
         </p:nvSpPr>
         <p:spPr>
           <a:xfrm>
-            <a:off x="723551" y="2753710"/>
-            <a:ext cx="10257215" cy="956442"/>
+            <a:off x="723551" y="978434"/>
+            <a:ext cx="10257215" cy="593191"/>
           </a:xfrm>
         </p:spPr>
         <p:txBody>
@@ -13930,9 +14143,10 @@
           <a:p>
             <a:pPr algn="ctr"/>
             <a:r>
-              <a:rPr lang="en-US" dirty="0"/>
-              <a:t>Error handling</a:t>
-            </a:r>
+              <a:rPr lang="en-GB" dirty="0"/>
+              <a:t>Solution by using compiler check</a:t>
+            </a:r>
+            <a:endParaRPr lang="en-US" dirty="0"/>
           </a:p>
         </p:txBody>
       </p:sp>
@@ -13964,10 +14178,110 @@
           </a:ln>
         </p:spPr>
       </p:pic>
+      <p:sp>
+        <p:nvSpPr>
+          <p:cNvPr id="7" name="Landae eost et, optatqui num facepudicime venimpe pro tempossima volore nullupi ssectas perecto id magnatam quas am aut amus, aut es di sundus nonseri taturit quata es incimil idigene labor aut esti volectur, consed quae reratium velia volupta eniendi susdam fugit et facearum quatur serchilibus velende lecullis etur aut aut int esequas voloriatur reperis cidelit qui aperepre.…">
+            <a:extLst>
+              <a:ext uri="{FF2B5EF4-FFF2-40B4-BE49-F238E27FC236}">
+                <a16:creationId xmlns:a16="http://schemas.microsoft.com/office/drawing/2014/main" id="{B4BAC6F3-4C3F-A945-885C-68E47FDFDDE8}"/>
+              </a:ext>
+            </a:extLst>
+          </p:cNvPr>
+          <p:cNvSpPr txBox="1">
+            <a:spLocks noGrp="1"/>
+          </p:cNvSpPr>
+          <p:nvPr>
+            <p:ph type="body" idx="1"/>
+          </p:nvPr>
+        </p:nvSpPr>
+        <p:spPr>
+          <a:xfrm>
+            <a:off x="713390" y="1824860"/>
+            <a:ext cx="10256838" cy="4260630"/>
+          </a:xfrm>
+        </p:spPr>
+        <p:txBody>
+          <a:bodyPr numCol="1"/>
+          <a:lstStyle/>
+          <a:p>
+            <a:pPr marL="342900" indent="-342900">
+              <a:buFont typeface="Arial" panose="020B0604020202020204" pitchFamily="34" charset="0"/>
+              <a:buChar char="•"/>
+            </a:pPr>
+            <a:r>
+              <a:rPr lang="en-AU" sz="2400" dirty="0"/>
+              <a:t>https://</a:t>
+            </a:r>
+            <a:r>
+              <a:rPr lang="en-AU" sz="2400" dirty="0" err="1"/>
+              <a:t>github.com</a:t>
+            </a:r>
+            <a:r>
+              <a:rPr lang="en-AU" sz="2400" dirty="0"/>
+              <a:t>/</a:t>
+            </a:r>
+            <a:r>
+              <a:rPr lang="en-AU" sz="2400" dirty="0" err="1"/>
+              <a:t>amywong</a:t>
+            </a:r>
+            <a:r>
+              <a:rPr lang="en-AU" sz="2400" dirty="0"/>
+              <a:t>-monster/intro-</a:t>
+            </a:r>
+            <a:r>
+              <a:rPr lang="en-AU" sz="2400" dirty="0" err="1"/>
+              <a:t>fp</a:t>
+            </a:r>
+            <a:r>
+              <a:rPr lang="en-AU" sz="2400" dirty="0"/>
+              <a:t>-</a:t>
+            </a:r>
+            <a:r>
+              <a:rPr lang="en-AU" sz="2400" dirty="0" err="1"/>
+              <a:t>scala</a:t>
+            </a:r>
+            <a:r>
+              <a:rPr lang="en-AU" sz="2400" dirty="0"/>
+              <a:t>/blob/master/</a:t>
+            </a:r>
+            <a:r>
+              <a:rPr lang="en-AU" sz="2400" dirty="0" err="1"/>
+              <a:t>src</a:t>
+            </a:r>
+            <a:r>
+              <a:rPr lang="en-AU" sz="2400" dirty="0"/>
+              <a:t>/main/</a:t>
+            </a:r>
+            <a:r>
+              <a:rPr lang="en-AU" sz="2400" dirty="0" err="1"/>
+              <a:t>scala</a:t>
+            </a:r>
+            <a:r>
+              <a:rPr lang="en-AU" sz="2400" dirty="0"/>
+              <a:t>/examples/</a:t>
+            </a:r>
+            <a:r>
+              <a:rPr lang="en-AU" sz="2400" dirty="0" err="1"/>
+              <a:t>FixToOptionProblem.scala</a:t>
+            </a:r>
+            <a:endParaRPr lang="en-AU" sz="2400" dirty="0"/>
+          </a:p>
+          <a:p>
+            <a:endParaRPr lang="en-AU" sz="2400" dirty="0"/>
+          </a:p>
+          <a:p>
+            <a:pPr marL="342900" indent="-342900">
+              <a:buFont typeface="Arial" panose="020B0604020202020204" pitchFamily="34" charset="0"/>
+              <a:buChar char="•"/>
+            </a:pPr>
+            <a:endParaRPr lang="en-AU" sz="2400" dirty="0"/>
+          </a:p>
+        </p:txBody>
+      </p:sp>
     </p:spTree>
     <p:extLst>
       <p:ext uri="{BB962C8B-B14F-4D97-AF65-F5344CB8AC3E}">
-        <p14:creationId xmlns:p14="http://schemas.microsoft.com/office/powerpoint/2010/main" val="1124583776"/>
+        <p14:creationId xmlns:p14="http://schemas.microsoft.com/office/powerpoint/2010/main" val="798160726"/>
       </p:ext>
     </p:extLst>
   </p:cSld>
@@ -14035,8 +14349,8 @@
         </p:nvSpPr>
         <p:spPr>
           <a:xfrm>
-            <a:off x="723551" y="527902"/>
-            <a:ext cx="10257215" cy="624395"/>
+            <a:off x="723551" y="2753710"/>
+            <a:ext cx="10257215" cy="956442"/>
           </a:xfrm>
         </p:spPr>
         <p:txBody>
@@ -14046,7 +14360,7 @@
             <a:pPr algn="ctr"/>
             <a:r>
               <a:rPr lang="en-US" dirty="0"/>
-              <a:t>Type for value may contain error</a:t>
+              <a:t>Error handling</a:t>
             </a:r>
           </a:p>
         </p:txBody>
@@ -14079,149 +14393,10 @@
           </a:ln>
         </p:spPr>
       </p:pic>
-      <p:sp>
-        <p:nvSpPr>
-          <p:cNvPr id="7" name="Landae eost et, optatqui num facepudicime venimpe pro tempossima volore nullupi ssectas perecto id magnatam quas am aut amus, aut es di sundus nonseri taturit quata es incimil idigene labor aut esti volectur, consed quae reratium velia volupta eniendi susdam fugit et facearum quatur serchilibus velende lecullis etur aut aut int esequas voloriatur reperis cidelit qui aperepre.…">
-            <a:extLst>
-              <a:ext uri="{FF2B5EF4-FFF2-40B4-BE49-F238E27FC236}">
-                <a16:creationId xmlns:a16="http://schemas.microsoft.com/office/drawing/2014/main" id="{B4BAC6F3-4C3F-A945-885C-68E47FDFDDE8}"/>
-              </a:ext>
-            </a:extLst>
-          </p:cNvPr>
-          <p:cNvSpPr txBox="1">
-            <a:spLocks noGrp="1"/>
-          </p:cNvSpPr>
-          <p:nvPr>
-            <p:ph type="body" idx="1"/>
-          </p:nvPr>
-        </p:nvSpPr>
-        <p:spPr>
-          <a:xfrm>
-            <a:off x="713390" y="1310326"/>
-            <a:ext cx="10256838" cy="5373278"/>
-          </a:xfrm>
-        </p:spPr>
-        <p:txBody>
-          <a:bodyPr numCol="1"/>
-          <a:lstStyle/>
-          <a:p>
-            <a:r>
-              <a:rPr lang="en-AU" sz="2400" dirty="0"/>
-              <a:t>sealed trait </a:t>
-            </a:r>
-            <a:r>
-              <a:rPr lang="en-AU" sz="2400" b="1" dirty="0"/>
-              <a:t>Either[E, A]</a:t>
-            </a:r>
-          </a:p>
-          <a:p>
-            <a:r>
-              <a:rPr lang="en-AU" sz="2400" dirty="0"/>
-              <a:t>case class </a:t>
-            </a:r>
-            <a:r>
-              <a:rPr lang="en-AU" sz="2400" b="1" dirty="0"/>
-              <a:t>Right[E, A]</a:t>
-            </a:r>
-            <a:r>
-              <a:rPr lang="en-AU" sz="2400" dirty="0"/>
-              <a:t>(value: </a:t>
-            </a:r>
-            <a:r>
-              <a:rPr lang="en-AU" sz="2400" b="1" dirty="0"/>
-              <a:t>A</a:t>
-            </a:r>
-            <a:r>
-              <a:rPr lang="en-AU" sz="2400" dirty="0"/>
-              <a:t>) extends </a:t>
-            </a:r>
-            <a:r>
-              <a:rPr lang="en-AU" sz="2400" b="1" dirty="0"/>
-              <a:t>Either[E, A]</a:t>
-            </a:r>
-          </a:p>
-          <a:p>
-            <a:r>
-              <a:rPr lang="en-AU" sz="2400" dirty="0"/>
-              <a:t>case class </a:t>
-            </a:r>
-            <a:r>
-              <a:rPr lang="en-AU" sz="2400" b="1" dirty="0"/>
-              <a:t>Left[E, A](error: E)</a:t>
-            </a:r>
-            <a:r>
-              <a:rPr lang="en-AU" sz="2400" dirty="0"/>
-              <a:t> extends </a:t>
-            </a:r>
-            <a:r>
-              <a:rPr lang="en-AU" sz="2400" b="1" dirty="0"/>
-              <a:t>Either[E, A]</a:t>
-            </a:r>
-          </a:p>
-          <a:p>
-            <a:r>
-              <a:rPr lang="en-AU" sz="2400" i="1" dirty="0"/>
-              <a:t>(Simplified Scala version)</a:t>
-            </a:r>
-          </a:p>
-          <a:p>
-            <a:endParaRPr lang="en-AU" sz="2400" dirty="0"/>
-          </a:p>
-          <a:p>
-            <a:r>
-              <a:rPr lang="en-AU" sz="2400" dirty="0"/>
-              <a:t>In this case the context is the type’s value is may produce error.</a:t>
-            </a:r>
-          </a:p>
-          <a:p>
-            <a:r>
-              <a:rPr lang="en-AU" sz="2400" dirty="0"/>
-              <a:t>E.g. Either[String, Int] is a </a:t>
-            </a:r>
-            <a:r>
-              <a:rPr lang="en-AU" sz="2400" b="1" dirty="0"/>
-              <a:t>type</a:t>
-            </a:r>
-            <a:r>
-              <a:rPr lang="en-AU" sz="2400" dirty="0"/>
-              <a:t> telling the compiler that the value should be</a:t>
-            </a:r>
-          </a:p>
-          <a:p>
-            <a:pPr marL="342900" indent="-342900">
-              <a:buFont typeface="Arial" panose="020B0604020202020204" pitchFamily="34" charset="0"/>
-              <a:buChar char="•"/>
-            </a:pPr>
-            <a:r>
-              <a:rPr lang="en-AU" sz="2400" dirty="0"/>
-              <a:t>Right(an integer value) when the value is obtained successfully</a:t>
-            </a:r>
-          </a:p>
-          <a:p>
-            <a:pPr marL="342900" indent="-342900">
-              <a:buFont typeface="Arial" panose="020B0604020202020204" pitchFamily="34" charset="0"/>
-              <a:buChar char="•"/>
-            </a:pPr>
-            <a:r>
-              <a:rPr lang="en-AU" sz="2400" dirty="0"/>
-              <a:t>Left(a string value) when it got error</a:t>
-            </a:r>
-          </a:p>
-          <a:p>
-            <a:r>
-              <a:rPr lang="en-AU" sz="2400" dirty="0"/>
-              <a:t>Only these 2 possibilities in runtime, no other possibility</a:t>
-            </a:r>
-          </a:p>
-          <a:p>
-            <a:endParaRPr lang="en-AU" sz="2400" dirty="0"/>
-          </a:p>
-        </p:txBody>
-      </p:sp>
     </p:spTree>
     <p:extLst>
       <p:ext uri="{BB962C8B-B14F-4D97-AF65-F5344CB8AC3E}">
-        <p14:creationId xmlns:p14="http://schemas.microsoft.com/office/powerpoint/2010/main" val="2120770057"/>
+        <p14:creationId xmlns:p14="http://schemas.microsoft.com/office/powerpoint/2010/main" val="1124583776"/>
       </p:ext>
     </p:extLst>
   </p:cSld>
@@ -14300,7 +14475,7 @@
             <a:pPr algn="ctr"/>
             <a:r>
               <a:rPr lang="en-US" dirty="0"/>
-              <a:t>Special care in doing FP using Scala</a:t>
+              <a:t>Type for value may contain error</a:t>
             </a:r>
           </a:p>
         </p:txBody>
@@ -14361,15 +14536,121 @@
           <a:p>
             <a:r>
               <a:rPr lang="en-AU" sz="2400" dirty="0"/>
-              <a:t>Scala is JVM language.  Therefore unavoidably it has to use some OOP syntax to do FP such as defining Algebraic Data Type.  We need to be very careful and not misled by the OOP syntax.  To avoid producing the Frankenstein, usage of inheritance syntax should be minimised.</a:t>
-            </a:r>
+              <a:t>sealed trait </a:t>
+            </a:r>
+            <a:r>
+              <a:rPr lang="en-AU" sz="2400" b="1" dirty="0"/>
+              <a:t>Either[E, A]</a:t>
+            </a:r>
+          </a:p>
+          <a:p>
+            <a:r>
+              <a:rPr lang="en-AU" sz="2400" dirty="0"/>
+              <a:t>case class </a:t>
+            </a:r>
+            <a:r>
+              <a:rPr lang="en-AU" sz="2400" b="1" dirty="0"/>
+              <a:t>Right[E, A]</a:t>
+            </a:r>
+            <a:r>
+              <a:rPr lang="en-AU" sz="2400" dirty="0"/>
+              <a:t>(value: </a:t>
+            </a:r>
+            <a:r>
+              <a:rPr lang="en-AU" sz="2400" b="1" dirty="0"/>
+              <a:t>A</a:t>
+            </a:r>
+            <a:r>
+              <a:rPr lang="en-AU" sz="2400" dirty="0"/>
+              <a:t>) extends </a:t>
+            </a:r>
+            <a:r>
+              <a:rPr lang="en-AU" sz="2400" b="1" dirty="0"/>
+              <a:t>Either[E, A]</a:t>
+            </a:r>
+          </a:p>
+          <a:p>
+            <a:r>
+              <a:rPr lang="en-AU" sz="2400" dirty="0"/>
+              <a:t>case class </a:t>
+            </a:r>
+            <a:r>
+              <a:rPr lang="en-AU" sz="2400" b="1" dirty="0"/>
+              <a:t>Left[E, A](error: E)</a:t>
+            </a:r>
+            <a:r>
+              <a:rPr lang="en-AU" sz="2400" dirty="0"/>
+              <a:t> extends </a:t>
+            </a:r>
+            <a:r>
+              <a:rPr lang="en-AU" sz="2400" b="1" dirty="0"/>
+              <a:t>Either[E, A]</a:t>
+            </a:r>
+          </a:p>
+          <a:p>
+            <a:r>
+              <a:rPr lang="en-AU" sz="2400" i="1" dirty="0"/>
+              <a:t>(Simplified Scala version)</a:t>
+            </a:r>
+          </a:p>
+          <a:p>
+            <a:endParaRPr lang="en-AU" sz="2400" dirty="0"/>
+          </a:p>
+          <a:p>
+            <a:r>
+              <a:rPr lang="en-AU" sz="2400" dirty="0"/>
+              <a:t>In this case the context is the type’s value is may produce error.</a:t>
+            </a:r>
+          </a:p>
+          <a:p>
+            <a:r>
+              <a:rPr lang="en-AU" sz="2400" dirty="0"/>
+              <a:t>E.g. Either[String, Int] is a </a:t>
+            </a:r>
+            <a:r>
+              <a:rPr lang="en-AU" sz="2400" b="1" dirty="0"/>
+              <a:t>type</a:t>
+            </a:r>
+            <a:r>
+              <a:rPr lang="en-AU" sz="2400" dirty="0"/>
+              <a:t> telling the compiler that the value should be</a:t>
+            </a:r>
+          </a:p>
+          <a:p>
+            <a:pPr marL="342900" indent="-342900">
+              <a:buFont typeface="Arial" panose="020B0604020202020204" pitchFamily="34" charset="0"/>
+              <a:buChar char="•"/>
+            </a:pPr>
+            <a:r>
+              <a:rPr lang="en-AU" sz="2400" dirty="0"/>
+              <a:t>Right(an integer value) when the value is obtained successfully</a:t>
+            </a:r>
+          </a:p>
+          <a:p>
+            <a:pPr marL="342900" indent="-342900">
+              <a:buFont typeface="Arial" panose="020B0604020202020204" pitchFamily="34" charset="0"/>
+              <a:buChar char="•"/>
+            </a:pPr>
+            <a:r>
+              <a:rPr lang="en-AU" sz="2400" dirty="0"/>
+              <a:t>Left(a string value) when it got error</a:t>
+            </a:r>
+          </a:p>
+          <a:p>
+            <a:r>
+              <a:rPr lang="en-AU" sz="2400" dirty="0"/>
+              <a:t>Only these 2 possibilities in runtime, no other possibility</a:t>
+            </a:r>
+          </a:p>
+          <a:p>
+            <a:endParaRPr lang="en-AU" sz="2400" dirty="0"/>
           </a:p>
         </p:txBody>
       </p:sp>
     </p:spTree>
     <p:extLst>
       <p:ext uri="{BB962C8B-B14F-4D97-AF65-F5344CB8AC3E}">
-        <p14:creationId xmlns:p14="http://schemas.microsoft.com/office/powerpoint/2010/main" val="3415462493"/>
+        <p14:creationId xmlns:p14="http://schemas.microsoft.com/office/powerpoint/2010/main" val="2120770057"/>
       </p:ext>
     </p:extLst>
   </p:cSld>
@@ -14513,7 +14794,7 @@
             <a:pPr algn="ctr"/>
             <a:r>
               <a:rPr lang="en-US" dirty="0"/>
-              <a:t>Reference</a:t>
+              <a:t>Special care in doing FP using Scala</a:t>
             </a:r>
           </a:p>
         </p:txBody>
@@ -14573,6 +14854,174 @@
           <a:lstStyle/>
           <a:p>
             <a:r>
+              <a:rPr lang="en-AU" sz="2400" dirty="0"/>
+              <a:t>Scala is JVM language.  Therefore sometimes it has to use some OOP syntax to do FP such as defining Algebraic Data Type.  We need to be very careful and not misled by the OOP </a:t>
+            </a:r>
+            <a:r>
+              <a:rPr lang="en-AU" sz="2400"/>
+              <a:t>syntax.</a:t>
+            </a:r>
+            <a:endParaRPr lang="en-AU" sz="2400" dirty="0"/>
+          </a:p>
+        </p:txBody>
+      </p:sp>
+    </p:spTree>
+    <p:extLst>
+      <p:ext uri="{BB962C8B-B14F-4D97-AF65-F5344CB8AC3E}">
+        <p14:creationId xmlns:p14="http://schemas.microsoft.com/office/powerpoint/2010/main" val="3415462493"/>
+      </p:ext>
+    </p:extLst>
+  </p:cSld>
+  <p:clrMapOvr>
+    <a:masterClrMapping/>
+  </p:clrMapOvr>
+  <p:transition spd="med"/>
+</p:sld>
+</file>
+
+<file path=ppt/slides/slide21.xml><?xml version="1.0" encoding="utf-8"?>
+<p:sld xmlns:a="http://schemas.openxmlformats.org/drawingml/2006/main" xmlns:r="http://schemas.openxmlformats.org/officeDocument/2006/relationships" xmlns:p="http://schemas.openxmlformats.org/presentationml/2006/main">
+  <p:cSld>
+    <p:spTree>
+      <p:nvGrpSpPr>
+        <p:cNvPr id="1" name=""/>
+        <p:cNvGrpSpPr/>
+        <p:nvPr/>
+      </p:nvGrpSpPr>
+      <p:grpSpPr>
+        <a:xfrm>
+          <a:off x="0" y="0"/>
+          <a:ext cx="0" cy="0"/>
+          <a:chOff x="0" y="0"/>
+          <a:chExt cx="0" cy="0"/>
+        </a:xfrm>
+      </p:grpSpPr>
+      <p:pic>
+        <p:nvPicPr>
+          <p:cNvPr id="254" name="Graphic 10" descr="Graphic 10"/>
+          <p:cNvPicPr>
+            <a:picLocks noChangeAspect="1"/>
+          </p:cNvPicPr>
+          <p:nvPr/>
+        </p:nvPicPr>
+        <p:blipFill>
+          <a:blip r:embed="rId2"/>
+          <a:srcRect l="42889" t="41013" r="42887" b="40591"/>
+          <a:stretch>
+            <a:fillRect/>
+          </a:stretch>
+        </p:blipFill>
+        <p:spPr>
+          <a:xfrm>
+            <a:off x="11365858" y="286788"/>
+            <a:ext cx="482714" cy="624395"/>
+          </a:xfrm>
+          <a:prstGeom prst="rect">
+            <a:avLst/>
+          </a:prstGeom>
+          <a:ln w="12700">
+            <a:miter lim="400000"/>
+          </a:ln>
+        </p:spPr>
+      </p:pic>
+      <p:sp>
+        <p:nvSpPr>
+          <p:cNvPr id="257" name="content page…"/>
+          <p:cNvSpPr txBox="1">
+            <a:spLocks noGrp="1"/>
+          </p:cNvSpPr>
+          <p:nvPr>
+            <p:ph type="title"/>
+          </p:nvPr>
+        </p:nvSpPr>
+        <p:spPr>
+          <a:xfrm>
+            <a:off x="723551" y="527902"/>
+            <a:ext cx="10257215" cy="624395"/>
+          </a:xfrm>
+        </p:spPr>
+        <p:txBody>
+          <a:bodyPr/>
+          <a:lstStyle/>
+          <a:p>
+            <a:pPr algn="ctr"/>
+            <a:r>
+              <a:rPr lang="en-US" dirty="0"/>
+              <a:t>Reference</a:t>
+            </a:r>
+          </a:p>
+        </p:txBody>
+      </p:sp>
+      <p:pic>
+        <p:nvPicPr>
+          <p:cNvPr id="260" name="Graphic 9" descr="Graphic 9"/>
+          <p:cNvPicPr>
+            <a:picLocks noChangeAspect="1"/>
+          </p:cNvPicPr>
+          <p:nvPr/>
+        </p:nvPicPr>
+        <p:blipFill>
+          <a:blip r:embed="rId2"/>
+          <a:srcRect l="42889" t="41013" r="42887" b="40591"/>
+          <a:stretch>
+            <a:fillRect/>
+          </a:stretch>
+        </p:blipFill>
+        <p:spPr>
+          <a:xfrm>
+            <a:off x="11360312" y="285693"/>
+            <a:ext cx="482714" cy="624395"/>
+          </a:xfrm>
+          <a:prstGeom prst="rect">
+            <a:avLst/>
+          </a:prstGeom>
+          <a:ln w="12700">
+            <a:miter lim="400000"/>
+          </a:ln>
+        </p:spPr>
+      </p:pic>
+      <p:sp>
+        <p:nvSpPr>
+          <p:cNvPr id="7" name="Landae eost et, optatqui num facepudicime venimpe pro tempossima volore nullupi ssectas perecto id magnatam quas am aut amus, aut es di sundus nonseri taturit quata es incimil idigene labor aut esti volectur, consed quae reratium velia volupta eniendi susdam fugit et facearum quatur serchilibus velende lecullis etur aut aut int esequas voloriatur reperis cidelit qui aperepre.…">
+            <a:extLst>
+              <a:ext uri="{FF2B5EF4-FFF2-40B4-BE49-F238E27FC236}">
+                <a16:creationId xmlns:a16="http://schemas.microsoft.com/office/drawing/2014/main" id="{B4BAC6F3-4C3F-A945-885C-68E47FDFDDE8}"/>
+              </a:ext>
+            </a:extLst>
+          </p:cNvPr>
+          <p:cNvSpPr txBox="1">
+            <a:spLocks noGrp="1"/>
+          </p:cNvSpPr>
+          <p:nvPr>
+            <p:ph type="body" idx="1"/>
+          </p:nvPr>
+        </p:nvSpPr>
+        <p:spPr>
+          <a:xfrm>
+            <a:off x="713390" y="1310326"/>
+            <a:ext cx="10256838" cy="5373278"/>
+          </a:xfrm>
+        </p:spPr>
+        <p:txBody>
+          <a:bodyPr numCol="1"/>
+          <a:lstStyle/>
+          <a:p>
+            <a:r>
+              <a:rPr lang="en-US" sz="2400" dirty="0">
+                <a:hlinkClick r:id="rId3"/>
+              </a:rPr>
+              <a:t>https://github.com/amywong-monster/intro-fp-scala</a:t>
+            </a:r>
+            <a:r>
+              <a:rPr lang="en-AU" sz="2400" dirty="0"/>
+              <a:t> sample codes used in this presentation</a:t>
+            </a:r>
+            <a:endParaRPr lang="en-US" sz="2400" dirty="0">
+              <a:hlinkClick r:id="rId3"/>
+            </a:endParaRPr>
+          </a:p>
+          <a:p>
+            <a:r>
               <a:rPr lang="en-US" sz="2400" dirty="0">
                 <a:hlinkClick r:id="rId3"/>
               </a:rPr>
@@ -14586,22 +15035,6 @@
                 <a:hlinkClick r:id="rId4"/>
               </a:rPr>
               <a:t>https://underscore.io/books/scala-with-cats/</a:t>
-            </a:r>
-            <a:r>
-              <a:rPr lang="en-AU" sz="2400" dirty="0"/>
-              <a:t> It uses cats as example to explain what are type classes.  Therefore the idea is not cats-specific.  Many other libraries such as </a:t>
-            </a:r>
-            <a:r>
-              <a:rPr lang="en-AU" sz="2400" dirty="0" err="1"/>
-              <a:t>scalaz</a:t>
-            </a:r>
-            <a:r>
-              <a:rPr lang="en-AU" sz="2400" dirty="0"/>
-              <a:t>, http4s and so on are applying </a:t>
-            </a:r>
-            <a:r>
-              <a:rPr lang="en-AU" sz="2400"/>
-              <a:t>type class.</a:t>
             </a:r>
             <a:endParaRPr lang="en-AU" sz="2400" dirty="0"/>
           </a:p>
@@ -17926,6 +18359,81 @@
 </file>
 
 <file path=customXml/item1.xml><?xml version="1.0" encoding="utf-8"?>
+<p:properties xmlns:p="http://schemas.microsoft.com/office/2006/metadata/properties" xmlns:xsi="http://www.w3.org/2001/XMLSchema-instance" xmlns:pc="http://schemas.microsoft.com/office/infopath/2007/PartnerControls">
+  <documentManagement>
+    <_dlc_DocId xmlns="afaaeb4b-3de5-4c0e-b090-ff47aec4665a">XCFZQ2JHHF35-1282781972-1721</_dlc_DocId>
+    <_dlc_DocIdUrl xmlns="afaaeb4b-3de5-4c0e-b090-ff47aec4665a">
+      <Url>https://monsterad.sharepoint.com/sites/marketinggroup/_layouts/15/DocIdRedir.aspx?ID=XCFZQ2JHHF35-1282781972-1721</Url>
+      <Description>XCFZQ2JHHF35-1282781972-1721</Description>
+    </_dlc_DocIdUrl>
+    <TaxKeywordTaxHTField xmlns="afaaeb4b-3de5-4c0e-b090-ff47aec4665a">
+      <Terms xmlns="http://schemas.microsoft.com/office/infopath/2007/PartnerControls"/>
+    </TaxKeywordTaxHTField>
+    <TaxCatchAll xmlns="afaaeb4b-3de5-4c0e-b090-ff47aec4665a"/>
+  </documentManagement>
+</p:properties>
+</file>
+
+<file path=customXml/item2.xml><?xml version="1.0" encoding="utf-8"?>
+<?mso-contentType ?>
+<FormTemplates xmlns="http://schemas.microsoft.com/sharepoint/v3/contenttype/forms">
+  <Display>DocumentLibraryForm</Display>
+  <Edit>DocumentLibraryForm</Edit>
+  <New>DocumentLibraryForm</New>
+</FormTemplates>
+</file>
+
+<file path=customXml/item3.xml><?xml version="1.0" encoding="utf-8"?>
+<?mso-contentType ?>
+<spe:Receivers xmlns:spe="http://schemas.microsoft.com/sharepoint/events">
+  <Receiver>
+    <Name>Document ID Generator</Name>
+    <Synchronization>Synchronous</Synchronization>
+    <Type>10001</Type>
+    <SequenceNumber>1000</SequenceNumber>
+    <Url/>
+    <Assembly>Microsoft.Office.DocumentManagement, Version=16.0.0.0, Culture=neutral, PublicKeyToken=71e9bce111e9429c</Assembly>
+    <Class>Microsoft.Office.DocumentManagement.Internal.DocIdHandler</Class>
+    <Data/>
+    <Filter/>
+  </Receiver>
+  <Receiver>
+    <Name>Document ID Generator</Name>
+    <Synchronization>Synchronous</Synchronization>
+    <Type>10002</Type>
+    <SequenceNumber>1001</SequenceNumber>
+    <Url/>
+    <Assembly>Microsoft.Office.DocumentManagement, Version=16.0.0.0, Culture=neutral, PublicKeyToken=71e9bce111e9429c</Assembly>
+    <Class>Microsoft.Office.DocumentManagement.Internal.DocIdHandler</Class>
+    <Data/>
+    <Filter/>
+  </Receiver>
+  <Receiver>
+    <Name>Document ID Generator</Name>
+    <Synchronization>Synchronous</Synchronization>
+    <Type>10004</Type>
+    <SequenceNumber>1002</SequenceNumber>
+    <Url/>
+    <Assembly>Microsoft.Office.DocumentManagement, Version=16.0.0.0, Culture=neutral, PublicKeyToken=71e9bce111e9429c</Assembly>
+    <Class>Microsoft.Office.DocumentManagement.Internal.DocIdHandler</Class>
+    <Data/>
+    <Filter/>
+  </Receiver>
+  <Receiver>
+    <Name>Document ID Generator</Name>
+    <Synchronization>Synchronous</Synchronization>
+    <Type>10006</Type>
+    <SequenceNumber>1003</SequenceNumber>
+    <Url/>
+    <Assembly>Microsoft.Office.DocumentManagement, Version=16.0.0.0, Culture=neutral, PublicKeyToken=71e9bce111e9429c</Assembly>
+    <Class>Microsoft.Office.DocumentManagement.Internal.DocIdHandler</Class>
+    <Data/>
+    <Filter/>
+  </Receiver>
+</spe:Receivers>
+</file>
+
+<file path=customXml/item4.xml><?xml version="1.0" encoding="utf-8"?>
 <ct:contentTypeSchema xmlns:ct="http://schemas.microsoft.com/office/2006/metadata/contentType" xmlns:ma="http://schemas.microsoft.com/office/2006/metadata/properties/metaAttributes" ct:_="" ma:_="" ma:contentTypeName="Document" ma:contentTypeID="0x01010072DA322D77DC0143A5BE8287CF50A1D6" ma:contentTypeVersion="1322" ma:contentTypeDescription="Create a new document." ma:contentTypeScope="" ma:versionID="9020518e4694add32b59a72c4282b8d5">
   <xsd:schema xmlns:xsd="http://www.w3.org/2001/XMLSchema" xmlns:xs="http://www.w3.org/2001/XMLSchema" xmlns:p="http://schemas.microsoft.com/office/2006/metadata/properties" xmlns:ns2="afaaeb4b-3de5-4c0e-b090-ff47aec4665a" xmlns:ns3="116a77aa-57c8-4ae3-a073-e4b8ccfb1f65" targetNamespace="http://schemas.microsoft.com/office/2006/metadata/properties" ma:root="true" ma:fieldsID="09a1f3b4b9c2054d4141b7ac3fb21394" ns2:_="" ns3:_="">
     <xsd:import namespace="afaaeb4b-3de5-4c0e-b090-ff47aec4665a"/>
@@ -18153,82 +18661,40 @@
 </ct:contentTypeSchema>
 </file>
 
-<file path=customXml/item2.xml><?xml version="1.0" encoding="utf-8"?>
-<?mso-contentType ?>
-<spe:Receivers xmlns:spe="http://schemas.microsoft.com/sharepoint/events">
-  <Receiver>
-    <Name>Document ID Generator</Name>
-    <Synchronization>Synchronous</Synchronization>
-    <Type>10001</Type>
-    <SequenceNumber>1000</SequenceNumber>
-    <Url/>
-    <Assembly>Microsoft.Office.DocumentManagement, Version=16.0.0.0, Culture=neutral, PublicKeyToken=71e9bce111e9429c</Assembly>
-    <Class>Microsoft.Office.DocumentManagement.Internal.DocIdHandler</Class>
-    <Data/>
-    <Filter/>
-  </Receiver>
-  <Receiver>
-    <Name>Document ID Generator</Name>
-    <Synchronization>Synchronous</Synchronization>
-    <Type>10002</Type>
-    <SequenceNumber>1001</SequenceNumber>
-    <Url/>
-    <Assembly>Microsoft.Office.DocumentManagement, Version=16.0.0.0, Culture=neutral, PublicKeyToken=71e9bce111e9429c</Assembly>
-    <Class>Microsoft.Office.DocumentManagement.Internal.DocIdHandler</Class>
-    <Data/>
-    <Filter/>
-  </Receiver>
-  <Receiver>
-    <Name>Document ID Generator</Name>
-    <Synchronization>Synchronous</Synchronization>
-    <Type>10004</Type>
-    <SequenceNumber>1002</SequenceNumber>
-    <Url/>
-    <Assembly>Microsoft.Office.DocumentManagement, Version=16.0.0.0, Culture=neutral, PublicKeyToken=71e9bce111e9429c</Assembly>
-    <Class>Microsoft.Office.DocumentManagement.Internal.DocIdHandler</Class>
-    <Data/>
-    <Filter/>
-  </Receiver>
-  <Receiver>
-    <Name>Document ID Generator</Name>
-    <Synchronization>Synchronous</Synchronization>
-    <Type>10006</Type>
-    <SequenceNumber>1003</SequenceNumber>
-    <Url/>
-    <Assembly>Microsoft.Office.DocumentManagement, Version=16.0.0.0, Culture=neutral, PublicKeyToken=71e9bce111e9429c</Assembly>
-    <Class>Microsoft.Office.DocumentManagement.Internal.DocIdHandler</Class>
-    <Data/>
-    <Filter/>
-  </Receiver>
-</spe:Receivers>
+<file path=customXml/itemProps1.xml><?xml version="1.0" encoding="utf-8"?>
+<ds:datastoreItem xmlns:ds="http://schemas.openxmlformats.org/officeDocument/2006/customXml" ds:itemID="{A0EAB8B6-4A85-46E8-ABD1-877A0B50842B}">
+  <ds:schemaRefs>
+    <ds:schemaRef ds:uri="http://purl.org/dc/terms/"/>
+    <ds:schemaRef ds:uri="http://purl.org/dc/elements/1.1/"/>
+    <ds:schemaRef ds:uri="http://schemas.microsoft.com/office/2006/metadata/properties"/>
+    <ds:schemaRef ds:uri="http://www.w3.org/XML/1998/namespace"/>
+    <ds:schemaRef ds:uri="http://schemas.microsoft.com/office/infopath/2007/PartnerControls"/>
+    <ds:schemaRef ds:uri="116a77aa-57c8-4ae3-a073-e4b8ccfb1f65"/>
+    <ds:schemaRef ds:uri="http://schemas.microsoft.com/office/2006/documentManagement/types"/>
+    <ds:schemaRef ds:uri="http://schemas.openxmlformats.org/package/2006/metadata/core-properties"/>
+    <ds:schemaRef ds:uri="afaaeb4b-3de5-4c0e-b090-ff47aec4665a"/>
+    <ds:schemaRef ds:uri="http://purl.org/dc/dcmitype/"/>
+  </ds:schemaRefs>
+</ds:datastoreItem>
 </file>
 
-<file path=customXml/item3.xml><?xml version="1.0" encoding="utf-8"?>
-<?mso-contentType ?>
-<FormTemplates xmlns="http://schemas.microsoft.com/sharepoint/v3/contenttype/forms">
-  <Display>DocumentLibraryForm</Display>
-  <Edit>DocumentLibraryForm</Edit>
-  <New>DocumentLibraryForm</New>
-</FormTemplates>
+<file path=customXml/itemProps2.xml><?xml version="1.0" encoding="utf-8"?>
+<ds:datastoreItem xmlns:ds="http://schemas.openxmlformats.org/officeDocument/2006/customXml" ds:itemID="{8C12FCCE-303C-4556-95B2-31992822D7A0}">
+  <ds:schemaRefs>
+    <ds:schemaRef ds:uri="http://schemas.microsoft.com/sharepoint/v3/contenttype/forms"/>
+  </ds:schemaRefs>
+</ds:datastoreItem>
 </file>
 
-<file path=customXml/item4.xml><?xml version="1.0" encoding="utf-8"?>
-<p:properties xmlns:p="http://schemas.microsoft.com/office/2006/metadata/properties" xmlns:xsi="http://www.w3.org/2001/XMLSchema-instance" xmlns:pc="http://schemas.microsoft.com/office/infopath/2007/PartnerControls">
-  <documentManagement>
-    <_dlc_DocId xmlns="afaaeb4b-3de5-4c0e-b090-ff47aec4665a">XCFZQ2JHHF35-1282781972-1721</_dlc_DocId>
-    <_dlc_DocIdUrl xmlns="afaaeb4b-3de5-4c0e-b090-ff47aec4665a">
-      <Url>https://monsterad.sharepoint.com/sites/marketinggroup/_layouts/15/DocIdRedir.aspx?ID=XCFZQ2JHHF35-1282781972-1721</Url>
-      <Description>XCFZQ2JHHF35-1282781972-1721</Description>
-    </_dlc_DocIdUrl>
-    <TaxKeywordTaxHTField xmlns="afaaeb4b-3de5-4c0e-b090-ff47aec4665a">
-      <Terms xmlns="http://schemas.microsoft.com/office/infopath/2007/PartnerControls"/>
-    </TaxKeywordTaxHTField>
-    <TaxCatchAll xmlns="afaaeb4b-3de5-4c0e-b090-ff47aec4665a"/>
-  </documentManagement>
-</p:properties>
+<file path=customXml/itemProps3.xml><?xml version="1.0" encoding="utf-8"?>
+<ds:datastoreItem xmlns:ds="http://schemas.openxmlformats.org/officeDocument/2006/customXml" ds:itemID="{6965E7D4-911E-47A7-A898-EBE209204D92}">
+  <ds:schemaRefs>
+    <ds:schemaRef ds:uri="http://schemas.microsoft.com/sharepoint/events"/>
+  </ds:schemaRefs>
+</ds:datastoreItem>
 </file>
 
-<file path=customXml/itemProps1.xml><?xml version="1.0" encoding="utf-8"?>
+<file path=customXml/itemProps4.xml><?xml version="1.0" encoding="utf-8"?>
 <ds:datastoreItem xmlns:ds="http://schemas.openxmlformats.org/officeDocument/2006/customXml" ds:itemID="{F784BC14-24FF-4CC6-B90F-9AE951D776B8}">
   <ds:schemaRefs>
     <ds:schemaRef ds:uri="http://schemas.microsoft.com/office/2006/metadata/contentType"/>
@@ -18245,37 +18711,4 @@
     <ds:schemaRef ds:uri="http://schemas.microsoft.com/internal/obd"/>
   </ds:schemaRefs>
 </ds:datastoreItem>
-</file>
-
-<file path=customXml/itemProps2.xml><?xml version="1.0" encoding="utf-8"?>
-<ds:datastoreItem xmlns:ds="http://schemas.openxmlformats.org/officeDocument/2006/customXml" ds:itemID="{6965E7D4-911E-47A7-A898-EBE209204D92}">
-  <ds:schemaRefs>
-    <ds:schemaRef ds:uri="http://schemas.microsoft.com/sharepoint/events"/>
-  </ds:schemaRefs>
-</ds:datastoreItem>
-</file>
-
-<file path=customXml/itemProps3.xml><?xml version="1.0" encoding="utf-8"?>
-<ds:datastoreItem xmlns:ds="http://schemas.openxmlformats.org/officeDocument/2006/customXml" ds:itemID="{8C12FCCE-303C-4556-95B2-31992822D7A0}">
-  <ds:schemaRefs>
-    <ds:schemaRef ds:uri="http://schemas.microsoft.com/sharepoint/v3/contenttype/forms"/>
-  </ds:schemaRefs>
-</ds:datastoreItem>
-</file>
-
-<file path=customXml/itemProps4.xml><?xml version="1.0" encoding="utf-8"?>
-<ds:datastoreItem xmlns:ds="http://schemas.openxmlformats.org/officeDocument/2006/customXml" ds:itemID="{A0EAB8B6-4A85-46E8-ABD1-877A0B50842B}">
-  <ds:schemaRefs>
-    <ds:schemaRef ds:uri="http://purl.org/dc/terms/"/>
-    <ds:schemaRef ds:uri="http://purl.org/dc/elements/1.1/"/>
-    <ds:schemaRef ds:uri="http://schemas.microsoft.com/office/2006/metadata/properties"/>
-    <ds:schemaRef ds:uri="http://www.w3.org/XML/1998/namespace"/>
-    <ds:schemaRef ds:uri="http://schemas.microsoft.com/office/infopath/2007/PartnerControls"/>
-    <ds:schemaRef ds:uri="116a77aa-57c8-4ae3-a073-e4b8ccfb1f65"/>
-    <ds:schemaRef ds:uri="http://schemas.microsoft.com/office/2006/documentManagement/types"/>
-    <ds:schemaRef ds:uri="http://schemas.openxmlformats.org/package/2006/metadata/core-properties"/>
-    <ds:schemaRef ds:uri="afaaeb4b-3de5-4c0e-b090-ff47aec4665a"/>
-    <ds:schemaRef ds:uri="http://purl.org/dc/dcmitype/"/>
-  </ds:schemaRefs>
-</ds:datastoreItem>
 </file>